--- a/Presentazione/PresentazioneLazzaroni.pptx
+++ b/Presentazione/PresentazioneLazzaroni.pptx
@@ -295,7 +295,7 @@
           <a:p>
             <a:fld id="{7D769FB3-D616-4EBB-B671-D413A4EC3EC0}" type="datetimeFigureOut">
               <a:rPr lang="it-CH" smtClean="0"/>
-              <a:t>09.11.2018</a:t>
+              <a:t>14.11.2018</a:t>
             </a:fld>
             <a:endParaRPr lang="it-CH"/>
           </a:p>
@@ -625,7 +625,7 @@
           <a:p>
             <a:fld id="{7D769FB3-D616-4EBB-B671-D413A4EC3EC0}" type="datetimeFigureOut">
               <a:rPr lang="it-CH" smtClean="0"/>
-              <a:t>09.11.2018</a:t>
+              <a:t>14.11.2018</a:t>
             </a:fld>
             <a:endParaRPr lang="it-CH"/>
           </a:p>
@@ -805,7 +805,7 @@
           <a:p>
             <a:fld id="{7D769FB3-D616-4EBB-B671-D413A4EC3EC0}" type="datetimeFigureOut">
               <a:rPr lang="it-CH" smtClean="0"/>
-              <a:t>09.11.2018</a:t>
+              <a:t>14.11.2018</a:t>
             </a:fld>
             <a:endParaRPr lang="it-CH"/>
           </a:p>
@@ -975,7 +975,7 @@
           <a:p>
             <a:fld id="{7D769FB3-D616-4EBB-B671-D413A4EC3EC0}" type="datetimeFigureOut">
               <a:rPr lang="it-CH" smtClean="0"/>
-              <a:t>09.11.2018</a:t>
+              <a:t>14.11.2018</a:t>
             </a:fld>
             <a:endParaRPr lang="it-CH"/>
           </a:p>
@@ -1252,7 +1252,7 @@
           <a:p>
             <a:fld id="{7D769FB3-D616-4EBB-B671-D413A4EC3EC0}" type="datetimeFigureOut">
               <a:rPr lang="it-CH" smtClean="0"/>
-              <a:t>09.11.2018</a:t>
+              <a:t>14.11.2018</a:t>
             </a:fld>
             <a:endParaRPr lang="it-CH"/>
           </a:p>
@@ -1646,7 +1646,7 @@
           <a:p>
             <a:fld id="{7D769FB3-D616-4EBB-B671-D413A4EC3EC0}" type="datetimeFigureOut">
               <a:rPr lang="it-CH" smtClean="0"/>
-              <a:t>09.11.2018</a:t>
+              <a:t>14.11.2018</a:t>
             </a:fld>
             <a:endParaRPr lang="it-CH"/>
           </a:p>
@@ -2123,7 +2123,7 @@
           <a:p>
             <a:fld id="{7D769FB3-D616-4EBB-B671-D413A4EC3EC0}" type="datetimeFigureOut">
               <a:rPr lang="it-CH" smtClean="0"/>
-              <a:t>09.11.2018</a:t>
+              <a:t>14.11.2018</a:t>
             </a:fld>
             <a:endParaRPr lang="it-CH"/>
           </a:p>
@@ -2241,7 +2241,7 @@
           <a:p>
             <a:fld id="{7D769FB3-D616-4EBB-B671-D413A4EC3EC0}" type="datetimeFigureOut">
               <a:rPr lang="it-CH" smtClean="0"/>
-              <a:t>09.11.2018</a:t>
+              <a:t>14.11.2018</a:t>
             </a:fld>
             <a:endParaRPr lang="it-CH"/>
           </a:p>
@@ -2336,7 +2336,7 @@
           <a:p>
             <a:fld id="{7D769FB3-D616-4EBB-B671-D413A4EC3EC0}" type="datetimeFigureOut">
               <a:rPr lang="it-CH" smtClean="0"/>
-              <a:t>09.11.2018</a:t>
+              <a:t>14.11.2018</a:t>
             </a:fld>
             <a:endParaRPr lang="it-CH"/>
           </a:p>
@@ -2682,7 +2682,7 @@
           <a:p>
             <a:fld id="{7D769FB3-D616-4EBB-B671-D413A4EC3EC0}" type="datetimeFigureOut">
               <a:rPr lang="it-CH" smtClean="0"/>
-              <a:t>09.11.2018</a:t>
+              <a:t>14.11.2018</a:t>
             </a:fld>
             <a:endParaRPr lang="it-CH"/>
           </a:p>
@@ -3070,7 +3070,7 @@
           <a:p>
             <a:fld id="{7D769FB3-D616-4EBB-B671-D413A4EC3EC0}" type="datetimeFigureOut">
               <a:rPr lang="it-CH" smtClean="0"/>
-              <a:t>09.11.2018</a:t>
+              <a:t>14.11.2018</a:t>
             </a:fld>
             <a:endParaRPr lang="it-CH"/>
           </a:p>
@@ -3348,7 +3348,7 @@
           <a:p>
             <a:fld id="{7D769FB3-D616-4EBB-B671-D413A4EC3EC0}" type="datetimeFigureOut">
               <a:rPr lang="it-CH" smtClean="0"/>
-              <a:t>09.11.2018</a:t>
+              <a:t>14.11.2018</a:t>
             </a:fld>
             <a:endParaRPr lang="it-CH"/>
           </a:p>
@@ -3997,8 +3997,8 @@
         </p:nvSpPr>
         <p:spPr>
           <a:xfrm>
-            <a:off x="1371599" y="464127"/>
-            <a:ext cx="9601200" cy="1485900"/>
+            <a:off x="1371598" y="464127"/>
+            <a:ext cx="10672619" cy="1485900"/>
           </a:xfrm>
         </p:spPr>
         <p:txBody>
@@ -4007,7 +4007,15 @@
           <a:p>
             <a:r>
               <a:rPr lang="it-CH" dirty="0" smtClean="0"/>
-              <a:t>Come è stato realizzato il mio prodotto?</a:t>
+              <a:t>Come è stato </a:t>
+            </a:r>
+            <a:r>
+              <a:rPr lang="it-CH" dirty="0" smtClean="0"/>
+              <a:t>implementato </a:t>
+            </a:r>
+            <a:r>
+              <a:rPr lang="it-CH" dirty="0" smtClean="0"/>
+              <a:t>il mio prodotto?</a:t>
             </a:r>
             <a:endParaRPr lang="it-CH" dirty="0"/>
           </a:p>
@@ -4102,8 +4110,8 @@
         </p:nvSpPr>
         <p:spPr>
           <a:xfrm>
-            <a:off x="1371599" y="464127"/>
-            <a:ext cx="9601200" cy="1485900"/>
+            <a:off x="1371598" y="464127"/>
+            <a:ext cx="10626437" cy="1485900"/>
           </a:xfrm>
         </p:spPr>
         <p:txBody>
@@ -4112,7 +4120,19 @@
           <a:p>
             <a:r>
               <a:rPr lang="it-CH" dirty="0" smtClean="0"/>
-              <a:t>Come è stato realizzato il mio prodotto?</a:t>
+              <a:t>Come è stato </a:t>
+            </a:r>
+            <a:r>
+              <a:rPr lang="it-CH" dirty="0" smtClean="0"/>
+              <a:t>implementato</a:t>
+            </a:r>
+            <a:r>
+              <a:rPr lang="it-CH" dirty="0" smtClean="0"/>
+              <a:t> </a:t>
+            </a:r>
+            <a:r>
+              <a:rPr lang="it-CH" dirty="0" smtClean="0"/>
+              <a:t>il mio prodotto?</a:t>
             </a:r>
             <a:endParaRPr lang="it-CH" dirty="0"/>
           </a:p>
@@ -4494,7 +4514,9 @@
           </a:xfrm>
         </p:spPr>
         <p:txBody>
-          <a:bodyPr/>
+          <a:bodyPr>
+            <a:normAutofit/>
+          </a:bodyPr>
           <a:lstStyle/>
           <a:p>
             <a:r>
@@ -4505,8 +4527,55 @@
           <a:p>
             <a:r>
               <a:rPr lang="it-CH" dirty="0" smtClean="0"/>
-              <a:t>Circa 43 ore a casa</a:t>
-            </a:r>
+              <a:t>Circa 43 ore a </a:t>
+            </a:r>
+            <a:r>
+              <a:rPr lang="it-CH" dirty="0" smtClean="0"/>
+              <a:t>casa</a:t>
+            </a:r>
+          </a:p>
+          <a:p>
+            <a:pPr marL="0" indent="0">
+              <a:buNone/>
+            </a:pPr>
+            <a:r>
+              <a:rPr lang="it-CH" dirty="0" smtClean="0"/>
+              <a:t>Aspettative:</a:t>
+            </a:r>
+          </a:p>
+          <a:p>
+            <a:r>
+              <a:rPr lang="it-CH" dirty="0" smtClean="0"/>
+              <a:t>50</a:t>
+            </a:r>
+            <a:r>
+              <a:rPr lang="it-CH" dirty="0"/>
+              <a:t>% del tempo per l’implementazione</a:t>
+            </a:r>
+          </a:p>
+          <a:p>
+            <a:r>
+              <a:rPr lang="it-CH" dirty="0" smtClean="0"/>
+              <a:t>50</a:t>
+            </a:r>
+            <a:r>
+              <a:rPr lang="it-CH" dirty="0"/>
+              <a:t>% del tempo per il </a:t>
+            </a:r>
+            <a:r>
+              <a:rPr lang="it-CH" dirty="0" smtClean="0"/>
+              <a:t>resto</a:t>
+            </a:r>
+          </a:p>
+          <a:p>
+            <a:pPr marL="0" indent="0">
+              <a:buNone/>
+            </a:pPr>
+            <a:r>
+              <a:rPr lang="it-CH" dirty="0" smtClean="0"/>
+              <a:t>Realtà:</a:t>
+            </a:r>
+            <a:endParaRPr lang="it-CH" dirty="0" smtClean="0"/>
           </a:p>
           <a:p>
             <a:r>
@@ -4961,21 +5030,13 @@
           <a:p>
             <a:r>
               <a:rPr lang="it-CH" dirty="0" smtClean="0"/>
-              <a:t>Vantaggi </a:t>
-            </a:r>
+              <a:t>Vantaggi rispetto alla versione cartacea</a:t>
+            </a:r>
+          </a:p>
+          <a:p>
             <a:r>
               <a:rPr lang="it-CH" dirty="0" smtClean="0"/>
-              <a:t>rispetto alla versione cartacea</a:t>
-            </a:r>
-          </a:p>
-          <a:p>
-            <a:r>
-              <a:rPr lang="it-CH" dirty="0" smtClean="0"/>
-              <a:t>Perché usare il mio prodotto</a:t>
-            </a:r>
-            <a:r>
-              <a:rPr lang="it-CH" dirty="0" smtClean="0"/>
-              <a:t>?</a:t>
+              <a:t>Perché usare il mio prodotto?</a:t>
             </a:r>
           </a:p>
           <a:p>
@@ -4983,7 +5044,6 @@
               <a:rPr lang="it-CH" dirty="0" smtClean="0"/>
               <a:t>Requisiti</a:t>
             </a:r>
-            <a:endParaRPr lang="it-CH" dirty="0" smtClean="0"/>
           </a:p>
           <a:p>
             <a:r>
@@ -5000,11 +5060,15 @@
           <a:p>
             <a:r>
               <a:rPr lang="it-CH" dirty="0" smtClean="0"/>
-              <a:t>Come è stato realizzato il mio prodotto</a:t>
+              <a:t>Come è stato </a:t>
             </a:r>
             <a:r>
               <a:rPr lang="it-CH" dirty="0" smtClean="0"/>
-              <a:t>?</a:t>
+              <a:t>implementato </a:t>
+            </a:r>
+            <a:r>
+              <a:rPr lang="it-CH" dirty="0" smtClean="0"/>
+              <a:t>il mio prodotto?</a:t>
             </a:r>
           </a:p>
           <a:p>
@@ -5012,7 +5076,6 @@
               <a:rPr lang="it-CH" dirty="0" smtClean="0"/>
               <a:t>Test svolti</a:t>
             </a:r>
-            <a:endParaRPr lang="it-CH" dirty="0" smtClean="0"/>
           </a:p>
           <a:p>
             <a:r>
@@ -5767,13 +5830,13 @@
               </a:ext>
             </a:extLst>
           </a:blip>
-          <a:srcRect l="124" t="16940" r="26914" b="21859"/>
+          <a:srcRect l="124" t="18073" r="26914" b="21859"/>
           <a:stretch/>
         </p:blipFill>
         <p:spPr bwMode="auto">
           <a:xfrm>
-            <a:off x="1371600" y="1932495"/>
-            <a:ext cx="10137600" cy="4145314"/>
+            <a:off x="1371600" y="1605604"/>
+            <a:ext cx="10080000" cy="4665600"/>
           </a:xfrm>
           <a:prstGeom prst="rect">
             <a:avLst/>
@@ -5869,43 +5932,30 @@
       </p:sp>
       <p:pic>
         <p:nvPicPr>
-          <p:cNvPr id="4" name="Picture 3"/>
-          <p:cNvPicPr/>
+          <p:cNvPr id="3" name="Picture 2"/>
+          <p:cNvPicPr>
+            <a:picLocks noChangeAspect="1"/>
+          </p:cNvPicPr>
           <p:nvPr/>
         </p:nvPicPr>
         <p:blipFill rotWithShape="1">
-          <a:blip r:embed="rId2">
-            <a:extLst>
-              <a:ext uri="{28A0092B-C50C-407E-A947-70E740481C1C}">
-                <a14:useLocalDpi xmlns:a14="http://schemas.microsoft.com/office/drawing/2010/main" val="0"/>
-              </a:ext>
-            </a:extLst>
-          </a:blip>
-          <a:srcRect l="498" t="17044" r="25669" b="21417"/>
+          <a:blip r:embed="rId2"/>
+          <a:srcRect l="210" t="17900" r="26256" b="21619"/>
           <a:stretch/>
         </p:blipFill>
-        <p:spPr bwMode="auto">
-          <a:xfrm>
-            <a:off x="1371600" y="1894609"/>
-            <a:ext cx="10137600" cy="4183200"/>
+        <p:spPr>
+          <a:xfrm>
+            <a:off x="1371600" y="1644072"/>
+            <a:ext cx="10081503" cy="4664120"/>
           </a:xfrm>
           <a:prstGeom prst="rect">
             <a:avLst/>
           </a:prstGeom>
-          <a:ln w="9525" cap="flat" cmpd="sng" algn="ctr">
+          <a:ln>
             <a:solidFill>
-              <a:sysClr val="windowText" lastClr="000000"/>
+              <a:schemeClr val="tx1"/>
             </a:solidFill>
-            <a:prstDash val="solid"/>
-            <a:round/>
-            <a:headEnd type="none" w="med" len="med"/>
-            <a:tailEnd type="none" w="med" len="med"/>
           </a:ln>
-          <a:extLst>
-            <a:ext uri="{53640926-AAD7-44D8-BBD7-CCE9431645EC}">
-              <a14:shadowObscured xmlns:a14="http://schemas.microsoft.com/office/drawing/2010/main"/>
-            </a:ext>
-          </a:extLst>
         </p:spPr>
       </p:pic>
     </p:spTree>
@@ -5969,17 +6019,31 @@
         </p:nvSpPr>
         <p:spPr>
           <a:xfrm>
-            <a:off x="1371600" y="453967"/>
-            <a:ext cx="9601200" cy="889000"/>
-          </a:xfrm>
-        </p:spPr>
-        <p:txBody>
-          <a:bodyPr/>
+            <a:off x="1371599" y="453967"/>
+            <a:ext cx="10737273" cy="889000"/>
+          </a:xfrm>
+        </p:spPr>
+        <p:txBody>
+          <a:bodyPr>
+            <a:noAutofit/>
+          </a:bodyPr>
           <a:lstStyle/>
           <a:p>
             <a:r>
               <a:rPr lang="it-CH" dirty="0" smtClean="0"/>
-              <a:t>Come è stato realizzato il mio prodotto?</a:t>
+              <a:t>Come è stato </a:t>
+            </a:r>
+            <a:r>
+              <a:rPr lang="it-CH" dirty="0" smtClean="0"/>
+              <a:t>implementato</a:t>
+            </a:r>
+            <a:r>
+              <a:rPr lang="it-CH" dirty="0" smtClean="0"/>
+              <a:t> </a:t>
+            </a:r>
+            <a:r>
+              <a:rPr lang="it-CH" dirty="0" smtClean="0"/>
+              <a:t>il mio prodotto?</a:t>
             </a:r>
             <a:endParaRPr lang="it-CH" dirty="0"/>
           </a:p>
@@ -6083,8 +6147,8 @@
         </p:nvSpPr>
         <p:spPr>
           <a:xfrm>
-            <a:off x="1371600" y="452120"/>
-            <a:ext cx="9601200" cy="1485900"/>
+            <a:off x="1371599" y="452120"/>
+            <a:ext cx="10598727" cy="1485900"/>
           </a:xfrm>
         </p:spPr>
         <p:txBody>
@@ -6093,7 +6157,15 @@
           <a:p>
             <a:r>
               <a:rPr lang="it-CH" dirty="0" smtClean="0"/>
-              <a:t>Come è stato realizzato il mio prodotto?</a:t>
+              <a:t>Come è stato </a:t>
+            </a:r>
+            <a:r>
+              <a:rPr lang="it-CH" dirty="0"/>
+              <a:t>implementato </a:t>
+            </a:r>
+            <a:r>
+              <a:rPr lang="it-CH" dirty="0" smtClean="0"/>
+              <a:t>il mio prodotto?</a:t>
             </a:r>
             <a:endParaRPr lang="it-CH" dirty="0"/>
           </a:p>
